--- a/MINI project/Hafizs Fauzi Ritonga.pptx
+++ b/MINI project/Hafizs Fauzi Ritonga.pptx
@@ -9,9 +9,12 @@
     <p:sldId id="260" r:id="rId3"/>
     <p:sldId id="261" r:id="rId4"/>
     <p:sldId id="262" r:id="rId5"/>
-    <p:sldId id="263" r:id="rId6"/>
-    <p:sldId id="259" r:id="rId7"/>
-    <p:sldId id="258" r:id="rId8"/>
+    <p:sldId id="264" r:id="rId6"/>
+    <p:sldId id="265" r:id="rId7"/>
+    <p:sldId id="263" r:id="rId8"/>
+    <p:sldId id="266" r:id="rId9"/>
+    <p:sldId id="267" r:id="rId10"/>
+    <p:sldId id="268" r:id="rId11"/>
   </p:sldIdLst>
   <p:sldSz cx="12192000" cy="6858000"/>
   <p:notesSz cx="6858000" cy="9144000"/>
@@ -344,7 +347,7 @@
           <a:p>
             <a:fld id="{73829320-75F8-4459-8B0B-0AB64F4EC42F}" type="datetimeFigureOut">
               <a:rPr lang="en-US" smtClean="0"/>
-              <a:t>4/26/2022</a:t>
+              <a:t>5/16/2022</a:t>
             </a:fld>
             <a:endParaRPr lang="en-US"/>
           </a:p>
@@ -552,7 +555,7 @@
           <a:p>
             <a:fld id="{73829320-75F8-4459-8B0B-0AB64F4EC42F}" type="datetimeFigureOut">
               <a:rPr lang="en-US" smtClean="0"/>
-              <a:t>4/26/2022</a:t>
+              <a:t>5/16/2022</a:t>
             </a:fld>
             <a:endParaRPr lang="en-US"/>
           </a:p>
@@ -808,7 +811,7 @@
           <a:p>
             <a:fld id="{73829320-75F8-4459-8B0B-0AB64F4EC42F}" type="datetimeFigureOut">
               <a:rPr lang="en-US" smtClean="0"/>
-              <a:t>4/26/2022</a:t>
+              <a:t>5/16/2022</a:t>
             </a:fld>
             <a:endParaRPr lang="en-US"/>
           </a:p>
@@ -982,7 +985,7 @@
           <a:p>
             <a:fld id="{73829320-75F8-4459-8B0B-0AB64F4EC42F}" type="datetimeFigureOut">
               <a:rPr lang="en-US" smtClean="0"/>
-              <a:t>4/26/2022</a:t>
+              <a:t>5/16/2022</a:t>
             </a:fld>
             <a:endParaRPr lang="en-US"/>
           </a:p>
@@ -1325,7 +1328,7 @@
           <a:p>
             <a:fld id="{73829320-75F8-4459-8B0B-0AB64F4EC42F}" type="datetimeFigureOut">
               <a:rPr lang="en-US" smtClean="0"/>
-              <a:t>4/26/2022</a:t>
+              <a:t>5/16/2022</a:t>
             </a:fld>
             <a:endParaRPr lang="en-US"/>
           </a:p>
@@ -1600,7 +1603,7 @@
           <a:p>
             <a:fld id="{73829320-75F8-4459-8B0B-0AB64F4EC42F}" type="datetimeFigureOut">
               <a:rPr lang="en-US" smtClean="0"/>
-              <a:t>4/26/2022</a:t>
+              <a:t>5/16/2022</a:t>
             </a:fld>
             <a:endParaRPr lang="en-US"/>
           </a:p>
@@ -1979,7 +1982,7 @@
           <a:p>
             <a:fld id="{73829320-75F8-4459-8B0B-0AB64F4EC42F}" type="datetimeFigureOut">
               <a:rPr lang="en-US" smtClean="0"/>
-              <a:t>4/26/2022</a:t>
+              <a:t>5/16/2022</a:t>
             </a:fld>
             <a:endParaRPr lang="en-US"/>
           </a:p>
@@ -2097,7 +2100,7 @@
           <a:p>
             <a:fld id="{73829320-75F8-4459-8B0B-0AB64F4EC42F}" type="datetimeFigureOut">
               <a:rPr lang="en-US" smtClean="0"/>
-              <a:t>4/26/2022</a:t>
+              <a:t>5/16/2022</a:t>
             </a:fld>
             <a:endParaRPr lang="en-US"/>
           </a:p>
@@ -2268,7 +2271,7 @@
           <a:p>
             <a:fld id="{73829320-75F8-4459-8B0B-0AB64F4EC42F}" type="datetimeFigureOut">
               <a:rPr lang="en-US" smtClean="0"/>
-              <a:t>4/26/2022</a:t>
+              <a:t>5/16/2022</a:t>
             </a:fld>
             <a:endParaRPr lang="en-US"/>
           </a:p>
@@ -2622,7 +2625,7 @@
           <a:p>
             <a:fld id="{73829320-75F8-4459-8B0B-0AB64F4EC42F}" type="datetimeFigureOut">
               <a:rPr lang="en-US" smtClean="0"/>
-              <a:t>4/26/2022</a:t>
+              <a:t>5/16/2022</a:t>
             </a:fld>
             <a:endParaRPr lang="en-US"/>
           </a:p>
@@ -3004,7 +3007,7 @@
           <a:p>
             <a:fld id="{73829320-75F8-4459-8B0B-0AB64F4EC42F}" type="datetimeFigureOut">
               <a:rPr lang="en-US" smtClean="0"/>
-              <a:t>4/26/2022</a:t>
+              <a:t>5/16/2022</a:t>
             </a:fld>
             <a:endParaRPr lang="en-US"/>
           </a:p>
@@ -3291,7 +3294,7 @@
           <a:p>
             <a:fld id="{73829320-75F8-4459-8B0B-0AB64F4EC42F}" type="datetimeFigureOut">
               <a:rPr lang="en-US" smtClean="0"/>
-              <a:t>4/26/2022</a:t>
+              <a:t>5/16/2022</a:t>
             </a:fld>
             <a:endParaRPr lang="en-US"/>
           </a:p>
@@ -3886,6 +3889,156 @@
 </p:sld>
 </file>
 
+<file path=ppt/slides/slide10.xml><?xml version="1.0" encoding="utf-8"?>
+<p:sld xmlns:a="http://schemas.openxmlformats.org/drawingml/2006/main" xmlns:r="http://schemas.openxmlformats.org/officeDocument/2006/relationships" xmlns:p="http://schemas.openxmlformats.org/presentationml/2006/main">
+  <p:cSld>
+    <p:spTree>
+      <p:nvGrpSpPr>
+        <p:cNvPr id="1" name=""/>
+        <p:cNvGrpSpPr/>
+        <p:nvPr/>
+      </p:nvGrpSpPr>
+      <p:grpSpPr>
+        <a:xfrm>
+          <a:off x="0" y="0"/>
+          <a:ext cx="0" cy="0"/>
+          <a:chOff x="0" y="0"/>
+          <a:chExt cx="0" cy="0"/>
+        </a:xfrm>
+      </p:grpSpPr>
+      <p:sp>
+        <p:nvSpPr>
+          <p:cNvPr id="2" name="Title 1">
+            <a:extLst>
+              <a:ext uri="{FF2B5EF4-FFF2-40B4-BE49-F238E27FC236}">
+                <a16:creationId xmlns:a16="http://schemas.microsoft.com/office/drawing/2014/main" id="{47DD6D21-2A59-4E02-8F23-058B75A4C10A}"/>
+              </a:ext>
+            </a:extLst>
+          </p:cNvPr>
+          <p:cNvSpPr>
+            <a:spLocks noGrp="1"/>
+          </p:cNvSpPr>
+          <p:nvPr>
+            <p:ph type="title"/>
+          </p:nvPr>
+        </p:nvSpPr>
+        <p:spPr/>
+        <p:txBody>
+          <a:bodyPr/>
+          <a:lstStyle/>
+          <a:p>
+            <a:r>
+              <a:rPr lang="id-ID" dirty="0"/>
+              <a:t>Design API</a:t>
+            </a:r>
+            <a:endParaRPr lang="en-US" dirty="0"/>
+          </a:p>
+        </p:txBody>
+      </p:sp>
+      <p:pic>
+        <p:nvPicPr>
+          <p:cNvPr id="5" name="Picture 4">
+            <a:extLst>
+              <a:ext uri="{FF2B5EF4-FFF2-40B4-BE49-F238E27FC236}">
+                <a16:creationId xmlns:a16="http://schemas.microsoft.com/office/drawing/2014/main" id="{1B51A50B-D7E9-432B-80FE-9472D3EC7D10}"/>
+              </a:ext>
+            </a:extLst>
+          </p:cNvPr>
+          <p:cNvPicPr>
+            <a:picLocks noChangeAspect="1"/>
+          </p:cNvPicPr>
+          <p:nvPr/>
+        </p:nvPicPr>
+        <p:blipFill>
+          <a:blip r:embed="rId2"/>
+          <a:stretch>
+            <a:fillRect/>
+          </a:stretch>
+        </p:blipFill>
+        <p:spPr>
+          <a:xfrm>
+            <a:off x="3645217" y="2260580"/>
+            <a:ext cx="4962525" cy="3990975"/>
+          </a:xfrm>
+          <a:prstGeom prst="rect">
+            <a:avLst/>
+          </a:prstGeom>
+        </p:spPr>
+      </p:pic>
+      <p:sp>
+        <p:nvSpPr>
+          <p:cNvPr id="6" name="Rectangle 5">
+            <a:extLst>
+              <a:ext uri="{FF2B5EF4-FFF2-40B4-BE49-F238E27FC236}">
+                <a16:creationId xmlns:a16="http://schemas.microsoft.com/office/drawing/2014/main" id="{0084206D-EF98-4983-9EFE-AE3D55D7FBD1}"/>
+              </a:ext>
+            </a:extLst>
+          </p:cNvPr>
+          <p:cNvSpPr/>
+          <p:nvPr/>
+        </p:nvSpPr>
+        <p:spPr>
+          <a:xfrm>
+            <a:off x="4937760" y="1756756"/>
+            <a:ext cx="2316480" cy="523220"/>
+          </a:xfrm>
+          <a:prstGeom prst="rect">
+            <a:avLst/>
+          </a:prstGeom>
+          <a:noFill/>
+        </p:spPr>
+        <p:txBody>
+          <a:bodyPr wrap="square" lIns="91440" tIns="45720" rIns="91440" bIns="45720">
+            <a:spAutoFit/>
+          </a:bodyPr>
+          <a:lstStyle/>
+          <a:p>
+            <a:pPr algn="ctr"/>
+            <a:r>
+              <a:rPr lang="id-ID" sz="2800" b="0" cap="none" spc="0" dirty="0">
+                <a:ln w="0"/>
+                <a:solidFill>
+                  <a:schemeClr val="tx1"/>
+                </a:solidFill>
+                <a:effectLst>
+                  <a:outerShdw blurRad="38100" dist="19050" dir="2700000" algn="tl" rotWithShape="0">
+                    <a:schemeClr val="dk1">
+                      <a:alpha val="40000"/>
+                    </a:schemeClr>
+                  </a:outerShdw>
+                </a:effectLst>
+              </a:rPr>
+              <a:t>Entity Buku</a:t>
+            </a:r>
+            <a:endParaRPr lang="en-US" sz="2800" b="0" cap="none" spc="0" dirty="0">
+              <a:ln w="0"/>
+              <a:solidFill>
+                <a:schemeClr val="tx1"/>
+              </a:solidFill>
+              <a:effectLst>
+                <a:outerShdw blurRad="38100" dist="19050" dir="2700000" algn="tl" rotWithShape="0">
+                  <a:schemeClr val="dk1">
+                    <a:alpha val="40000"/>
+                  </a:schemeClr>
+                </a:outerShdw>
+              </a:effectLst>
+            </a:endParaRPr>
+          </a:p>
+        </p:txBody>
+      </p:sp>
+    </p:spTree>
+    <p:extLst>
+      <p:ext uri="{BB962C8B-B14F-4D97-AF65-F5344CB8AC3E}">
+        <p14:creationId xmlns:p14="http://schemas.microsoft.com/office/powerpoint/2010/main" val="658282841"/>
+      </p:ext>
+    </p:extLst>
+  </p:cSld>
+  <p:clrMapOvr>
+    <a:masterClrMapping/>
+  </p:clrMapOvr>
+</p:sld>
+</file>
+
 <file path=ppt/slides/slide2.xml><?xml version="1.0" encoding="utf-8"?>
 <p:sld xmlns:a="http://schemas.openxmlformats.org/drawingml/2006/main" xmlns:r="http://schemas.openxmlformats.org/officeDocument/2006/relationships" xmlns:p="http://schemas.openxmlformats.org/presentationml/2006/main">
   <p:cSld>
@@ -4596,7 +4749,7 @@
           <a:p>
             <a:r>
               <a:rPr lang="id-ID" dirty="0"/>
-              <a:t>MVP</a:t>
+              <a:t>MVP Project</a:t>
             </a:r>
             <a:endParaRPr lang="en-US" dirty="0"/>
           </a:p>
@@ -4623,7 +4776,41 @@
           <a:bodyPr/>
           <a:lstStyle/>
           <a:p>
-            <a:endParaRPr lang="en-US"/>
+            <a:r>
+              <a:rPr lang="id-ID" dirty="0"/>
+              <a:t>Prioritas Fitur</a:t>
+            </a:r>
+          </a:p>
+          <a:p>
+            <a:pPr>
+              <a:buFont typeface="Arial" panose="020B0604020202020204" pitchFamily="34" charset="0"/>
+              <a:buChar char="•"/>
+            </a:pPr>
+            <a:r>
+              <a:rPr lang="id-ID" dirty="0"/>
+              <a:t>CRUD TABLE</a:t>
+            </a:r>
+          </a:p>
+          <a:p>
+            <a:pPr>
+              <a:buFont typeface="Arial" panose="020B0604020202020204" pitchFamily="34" charset="0"/>
+              <a:buChar char="•"/>
+            </a:pPr>
+            <a:r>
+              <a:rPr lang="id-ID" dirty="0"/>
+              <a:t>Login </a:t>
+            </a:r>
+          </a:p>
+          <a:p>
+            <a:pPr>
+              <a:buFont typeface="Arial" panose="020B0604020202020204" pitchFamily="34" charset="0"/>
+              <a:buChar char="•"/>
+            </a:pPr>
+            <a:r>
+              <a:rPr lang="id-ID" dirty="0"/>
+              <a:t>Menghitung Denda</a:t>
+            </a:r>
+            <a:endParaRPr lang="en-US" dirty="0"/>
           </a:p>
         </p:txBody>
       </p:sp>
@@ -4662,7 +4849,7 @@
           <p:cNvPr id="2" name="Title 1">
             <a:extLst>
               <a:ext uri="{FF2B5EF4-FFF2-40B4-BE49-F238E27FC236}">
-                <a16:creationId xmlns:a16="http://schemas.microsoft.com/office/drawing/2014/main" id="{A9A77D71-BDFF-4247-B211-817560B8D23F}"/>
+                <a16:creationId xmlns:a16="http://schemas.microsoft.com/office/drawing/2014/main" id="{D780BA29-0512-4718-9BC0-BC7DCCA730EC}"/>
               </a:ext>
             </a:extLst>
           </p:cNvPr>
@@ -4673,63 +4860,117 @@
             <p:ph type="title"/>
           </p:nvPr>
         </p:nvSpPr>
-        <p:spPr>
-          <a:xfrm>
-            <a:off x="1066800" y="355183"/>
-            <a:ext cx="10058400" cy="1153577"/>
-          </a:xfrm>
-        </p:spPr>
+        <p:spPr/>
         <p:txBody>
           <a:bodyPr/>
           <a:lstStyle/>
           <a:p>
             <a:r>
               <a:rPr lang="id-ID" dirty="0"/>
-              <a:t>ERD</a:t>
+              <a:t>List Penting</a:t>
             </a:r>
             <a:endParaRPr lang="en-US" dirty="0"/>
           </a:p>
         </p:txBody>
       </p:sp>
-      <p:pic>
-        <p:nvPicPr>
-          <p:cNvPr id="5" name="Content Placeholder 4">
+      <p:sp>
+        <p:nvSpPr>
+          <p:cNvPr id="3" name="Content Placeholder 2">
             <a:extLst>
               <a:ext uri="{FF2B5EF4-FFF2-40B4-BE49-F238E27FC236}">
-                <a16:creationId xmlns:a16="http://schemas.microsoft.com/office/drawing/2014/main" id="{8C284FAC-CBFE-4AB5-BC2B-BE42C98C12C8}"/>
+                <a16:creationId xmlns:a16="http://schemas.microsoft.com/office/drawing/2014/main" id="{D833C661-4CB9-4590-BBFD-8D463701C06C}"/>
               </a:ext>
             </a:extLst>
           </p:cNvPr>
-          <p:cNvPicPr>
-            <a:picLocks noGrp="1" noChangeAspect="1"/>
-          </p:cNvPicPr>
+          <p:cNvSpPr>
+            <a:spLocks noGrp="1"/>
+          </p:cNvSpPr>
           <p:nvPr>
             <p:ph idx="1"/>
           </p:nvPr>
-        </p:nvPicPr>
-        <p:blipFill>
-          <a:blip r:embed="rId2">
-            <a:extLst>
-              <a:ext uri="{28A0092B-C50C-407E-A947-70E740481C1C}">
-                <a14:useLocalDpi xmlns:a14="http://schemas.microsoft.com/office/drawing/2010/main" val="0"/>
-              </a:ext>
-            </a:extLst>
-          </a:blip>
-          <a:stretch>
-            <a:fillRect/>
-          </a:stretch>
-        </p:blipFill>
-        <p:spPr>
-          <a:xfrm>
-            <a:off x="2228850" y="1508760"/>
-            <a:ext cx="7734300" cy="4651885"/>
-          </a:xfrm>
-        </p:spPr>
-      </p:pic>
+        </p:nvSpPr>
+        <p:spPr/>
+        <p:txBody>
+          <a:bodyPr/>
+          <a:lstStyle/>
+          <a:p>
+            <a:pPr>
+              <a:buFont typeface="Arial" panose="020B0604020202020204" pitchFamily="34" charset="0"/>
+              <a:buChar char="•"/>
+            </a:pPr>
+            <a:r>
+              <a:rPr lang="id-ID" dirty="0"/>
+              <a:t>CRUD TABLE</a:t>
+            </a:r>
+          </a:p>
+          <a:p>
+            <a:pPr>
+              <a:buFont typeface="Arial" panose="020B0604020202020204" pitchFamily="34" charset="0"/>
+              <a:buChar char="•"/>
+            </a:pPr>
+            <a:r>
+              <a:rPr lang="id-ID" dirty="0"/>
+              <a:t>Login </a:t>
+            </a:r>
+          </a:p>
+          <a:p>
+            <a:pPr>
+              <a:buFont typeface="Arial" panose="020B0604020202020204" pitchFamily="34" charset="0"/>
+              <a:buChar char="•"/>
+            </a:pPr>
+            <a:r>
+              <a:rPr lang="id-ID" dirty="0"/>
+              <a:t>Menghitung Denda</a:t>
+            </a:r>
+          </a:p>
+          <a:p>
+            <a:pPr>
+              <a:buFont typeface="Arial" panose="020B0604020202020204" pitchFamily="34" charset="0"/>
+              <a:buChar char="•"/>
+            </a:pPr>
+            <a:r>
+              <a:rPr lang="id-ID" dirty="0"/>
+              <a:t>JWT</a:t>
+            </a:r>
+          </a:p>
+          <a:p>
+            <a:pPr>
+              <a:buFont typeface="Arial" panose="020B0604020202020204" pitchFamily="34" charset="0"/>
+              <a:buChar char="•"/>
+            </a:pPr>
+            <a:r>
+              <a:rPr lang="id-ID" dirty="0"/>
+              <a:t>CI/CD</a:t>
+            </a:r>
+          </a:p>
+          <a:p>
+            <a:pPr>
+              <a:buFont typeface="Arial" panose="020B0604020202020204" pitchFamily="34" charset="0"/>
+              <a:buChar char="•"/>
+            </a:pPr>
+            <a:r>
+              <a:rPr lang="id-ID" dirty="0"/>
+              <a:t>Unit Testing</a:t>
+            </a:r>
+            <a:endParaRPr lang="en-US" dirty="0"/>
+          </a:p>
+          <a:p>
+            <a:pPr>
+              <a:buFont typeface="Arial" panose="020B0604020202020204" pitchFamily="34" charset="0"/>
+              <a:buChar char="•"/>
+            </a:pPr>
+            <a:r>
+              <a:rPr lang="id-ID" dirty="0"/>
+              <a:t>JWT</a:t>
+            </a:r>
+            <a:endParaRPr lang="en-US" dirty="0"/>
+          </a:p>
+        </p:txBody>
+      </p:sp>
     </p:spTree>
     <p:extLst>
       <p:ext uri="{BB962C8B-B14F-4D97-AF65-F5344CB8AC3E}">
-        <p14:creationId xmlns:p14="http://schemas.microsoft.com/office/powerpoint/2010/main" val="1237312135"/>
+        <p14:creationId xmlns:p14="http://schemas.microsoft.com/office/powerpoint/2010/main" val="645573778"/>
       </p:ext>
     </p:extLst>
   </p:cSld>
@@ -4761,7 +5002,7 @@
           <p:cNvPr id="2" name="Title 1">
             <a:extLst>
               <a:ext uri="{FF2B5EF4-FFF2-40B4-BE49-F238E27FC236}">
-                <a16:creationId xmlns:a16="http://schemas.microsoft.com/office/drawing/2014/main" id="{40CA0A03-5C73-404B-A728-9EA37073D555}"/>
+                <a16:creationId xmlns:a16="http://schemas.microsoft.com/office/drawing/2014/main" id="{2483E4F1-2350-4A67-9D45-0835827F2945}"/>
               </a:ext>
             </a:extLst>
           </p:cNvPr>
@@ -4779,7 +5020,7 @@
           <a:p>
             <a:r>
               <a:rPr lang="id-ID" dirty="0"/>
-              <a:t>De</a:t>
+              <a:t>Fitur yang kerja bisa diselasaikan </a:t>
             </a:r>
             <a:endParaRPr lang="en-US" dirty="0"/>
           </a:p>
@@ -4790,7 +5031,7 @@
           <p:cNvPr id="3" name="Content Placeholder 2">
             <a:extLst>
               <a:ext uri="{FF2B5EF4-FFF2-40B4-BE49-F238E27FC236}">
-                <a16:creationId xmlns:a16="http://schemas.microsoft.com/office/drawing/2014/main" id="{3B8A51F9-47BF-43A1-AFB7-DA6D81AC9A3D}"/>
+                <a16:creationId xmlns:a16="http://schemas.microsoft.com/office/drawing/2014/main" id="{C0FF7103-40DE-45B0-95FA-A1813CFA868A}"/>
               </a:ext>
             </a:extLst>
           </p:cNvPr>
@@ -4798,31 +5039,50 @@
             <a:spLocks noGrp="1"/>
           </p:cNvSpPr>
           <p:nvPr>
-            <p:ph sz="half" idx="1"/>
-          </p:nvPr>
-        </p:nvSpPr>
-        <p:spPr>
-          <a:xfrm>
-            <a:off x="541020" y="1825625"/>
-            <a:ext cx="5181600" cy="4351338"/>
-          </a:xfrm>
-        </p:spPr>
-        <p:txBody>
-          <a:bodyPr>
-            <a:normAutofit fontScale="70000" lnSpcReduction="20000"/>
-          </a:bodyPr>
+            <p:ph idx="1"/>
+          </p:nvPr>
+        </p:nvSpPr>
+        <p:spPr/>
+        <p:txBody>
+          <a:bodyPr/>
           <a:lstStyle/>
           <a:p>
             <a:pPr marL="0" indent="0">
               <a:buNone/>
             </a:pPr>
             <a:r>
-              <a:rPr lang="en-US" dirty="0"/>
-              <a:t>1. </a:t>
-            </a:r>
-            <a:r>
-              <a:rPr lang="en-US" dirty="0" err="1"/>
-              <a:t>Buku</a:t>
+              <a:rPr lang="id-ID" dirty="0"/>
+              <a:t>Prioritas Fitur</a:t>
+            </a:r>
+          </a:p>
+          <a:p>
+            <a:pPr>
+              <a:buFont typeface="Arial" panose="020B0604020202020204" pitchFamily="34" charset="0"/>
+              <a:buChar char="•"/>
+            </a:pPr>
+            <a:r>
+              <a:rPr lang="id-ID" dirty="0"/>
+              <a:t>CRUD TABLE</a:t>
+            </a:r>
+          </a:p>
+          <a:p>
+            <a:pPr>
+              <a:buFont typeface="Arial" panose="020B0604020202020204" pitchFamily="34" charset="0"/>
+              <a:buChar char="•"/>
+            </a:pPr>
+            <a:r>
+              <a:rPr lang="id-ID" dirty="0"/>
+              <a:t>Login </a:t>
+            </a:r>
+          </a:p>
+          <a:p>
+            <a:pPr>
+              <a:buFont typeface="Arial" panose="020B0604020202020204" pitchFamily="34" charset="0"/>
+              <a:buChar char="•"/>
+            </a:pPr>
+            <a:r>
+              <a:rPr lang="id-ID" dirty="0"/>
+              <a:t>Menghitung Denda</a:t>
             </a:r>
             <a:endParaRPr lang="en-US" dirty="0"/>
           </a:p>
@@ -4830,312 +5090,14 @@
             <a:pPr marL="0" indent="0">
               <a:buNone/>
             </a:pPr>
-            <a:r>
-              <a:rPr lang="en-US" dirty="0" err="1"/>
-              <a:t>id_buku</a:t>
-            </a:r>
-            <a:r>
-              <a:rPr lang="en-US" dirty="0"/>
-              <a:t> : integer (PK)</a:t>
-            </a:r>
-          </a:p>
-          <a:p>
-            <a:pPr marL="0" indent="0">
-              <a:buNone/>
-            </a:pPr>
-            <a:r>
-              <a:rPr lang="en-US" dirty="0" err="1"/>
-              <a:t>judul</a:t>
-            </a:r>
-            <a:r>
-              <a:rPr lang="en-US" dirty="0"/>
-              <a:t> : string</a:t>
-            </a:r>
-          </a:p>
-          <a:p>
-            <a:pPr marL="0" indent="0">
-              <a:buNone/>
-            </a:pPr>
-            <a:r>
-              <a:rPr lang="en-US" dirty="0" err="1"/>
-              <a:t>pengarang</a:t>
-            </a:r>
-            <a:r>
-              <a:rPr lang="en-US" dirty="0"/>
-              <a:t> : string</a:t>
-            </a:r>
-          </a:p>
-          <a:p>
-            <a:pPr marL="0" indent="0">
-              <a:buNone/>
-            </a:pPr>
-            <a:r>
-              <a:rPr lang="en-US" dirty="0" err="1"/>
-              <a:t>kategori</a:t>
-            </a:r>
-            <a:r>
-              <a:rPr lang="en-US" dirty="0"/>
-              <a:t> : integer</a:t>
-            </a:r>
-          </a:p>
-          <a:p>
-            <a:pPr marL="0" indent="0">
-              <a:buNone/>
-            </a:pPr>
-            <a:r>
-              <a:rPr lang="en-US" dirty="0" err="1"/>
-              <a:t>penerbit</a:t>
-            </a:r>
-            <a:r>
-              <a:rPr lang="en-US" dirty="0"/>
-              <a:t> : string</a:t>
-            </a:r>
-          </a:p>
-          <a:p>
-            <a:pPr marL="0" indent="0">
-              <a:buNone/>
-            </a:pPr>
-            <a:r>
-              <a:rPr lang="en-US" dirty="0" err="1"/>
-              <a:t>tahun</a:t>
-            </a:r>
-            <a:r>
-              <a:rPr lang="en-US" dirty="0"/>
-              <a:t> : date</a:t>
-            </a:r>
-          </a:p>
-          <a:p>
-            <a:pPr marL="0" indent="0">
-              <a:buNone/>
-            </a:pPr>
-            <a:r>
-              <a:rPr lang="en-US" dirty="0"/>
-              <a:t>2. </a:t>
-            </a:r>
-            <a:r>
-              <a:rPr lang="en-US" dirty="0" err="1"/>
-              <a:t>Anggota</a:t>
-            </a:r>
             <a:endParaRPr lang="en-US" dirty="0"/>
-          </a:p>
-          <a:p>
-            <a:pPr marL="0" indent="0">
-              <a:buNone/>
-            </a:pPr>
-            <a:r>
-              <a:rPr lang="en-US" dirty="0" err="1"/>
-              <a:t>id_anggota</a:t>
-            </a:r>
-            <a:r>
-              <a:rPr lang="en-US" dirty="0"/>
-              <a:t> : integer (PK)</a:t>
-            </a:r>
-          </a:p>
-          <a:p>
-            <a:pPr marL="0" indent="0">
-              <a:buNone/>
-            </a:pPr>
-            <a:r>
-              <a:rPr lang="en-US" dirty="0" err="1"/>
-              <a:t>nama</a:t>
-            </a:r>
-            <a:r>
-              <a:rPr lang="en-US" dirty="0"/>
-              <a:t> : string</a:t>
-            </a:r>
-          </a:p>
-          <a:p>
-            <a:pPr marL="0" indent="0">
-              <a:buNone/>
-            </a:pPr>
-            <a:r>
-              <a:rPr lang="en-US" dirty="0" err="1"/>
-              <a:t>jenis_kelamin</a:t>
-            </a:r>
-            <a:r>
-              <a:rPr lang="en-US" dirty="0"/>
-              <a:t> : integer</a:t>
-            </a:r>
-          </a:p>
-          <a:p>
-            <a:pPr marL="0" indent="0">
-              <a:buNone/>
-            </a:pPr>
-            <a:r>
-              <a:rPr lang="en-US" dirty="0" err="1"/>
-              <a:t>no_telp</a:t>
-            </a:r>
-            <a:r>
-              <a:rPr lang="en-US" dirty="0"/>
-              <a:t> : string</a:t>
-            </a:r>
-          </a:p>
-          <a:p>
-            <a:pPr marL="0" indent="0">
-              <a:buNone/>
-            </a:pPr>
-            <a:r>
-              <a:rPr lang="en-US" dirty="0" err="1"/>
-              <a:t>alamat</a:t>
-            </a:r>
-            <a:r>
-              <a:rPr lang="en-US" dirty="0"/>
-              <a:t> : string</a:t>
-            </a:r>
-          </a:p>
-          <a:p>
-            <a:endParaRPr lang="en-US" dirty="0"/>
-          </a:p>
-        </p:txBody>
-      </p:sp>
-      <p:sp>
-        <p:nvSpPr>
-          <p:cNvPr id="4" name="Content Placeholder 3">
-            <a:extLst>
-              <a:ext uri="{FF2B5EF4-FFF2-40B4-BE49-F238E27FC236}">
-                <a16:creationId xmlns:a16="http://schemas.microsoft.com/office/drawing/2014/main" id="{6772CE38-B103-4122-B658-E2BCA88A59DF}"/>
-              </a:ext>
-            </a:extLst>
-          </p:cNvPr>
-          <p:cNvSpPr>
-            <a:spLocks noGrp="1"/>
-          </p:cNvSpPr>
-          <p:nvPr>
-            <p:ph sz="half" idx="2"/>
-          </p:nvPr>
-        </p:nvSpPr>
-        <p:spPr/>
-        <p:txBody>
-          <a:bodyPr>
-            <a:normAutofit fontScale="70000" lnSpcReduction="20000"/>
-          </a:bodyPr>
-          <a:lstStyle/>
-          <a:p>
-            <a:pPr marL="0" indent="0">
-              <a:buNone/>
-            </a:pPr>
-            <a:r>
-              <a:rPr lang="en-US" dirty="0"/>
-              <a:t>3. </a:t>
-            </a:r>
-            <a:r>
-              <a:rPr lang="en-US" dirty="0" err="1"/>
-              <a:t>Petugas</a:t>
-            </a:r>
-            <a:endParaRPr lang="en-US" dirty="0"/>
-          </a:p>
-          <a:p>
-            <a:pPr marL="0" indent="0">
-              <a:buNone/>
-            </a:pPr>
-            <a:r>
-              <a:rPr lang="en-US" dirty="0"/>
-              <a:t>username : string (PK)</a:t>
-            </a:r>
-          </a:p>
-          <a:p>
-            <a:pPr marL="0" indent="0">
-              <a:buNone/>
-            </a:pPr>
-            <a:r>
-              <a:rPr lang="en-US" dirty="0"/>
-              <a:t>password : string</a:t>
-            </a:r>
-          </a:p>
-          <a:p>
-            <a:pPr marL="0" indent="0">
-              <a:buNone/>
-            </a:pPr>
-            <a:r>
-              <a:rPr lang="en-US" dirty="0" err="1"/>
-              <a:t>nama</a:t>
-            </a:r>
-            <a:r>
-              <a:rPr lang="en-US" dirty="0"/>
-              <a:t> : string</a:t>
-            </a:r>
-          </a:p>
-          <a:p>
-            <a:pPr marL="0" indent="0">
-              <a:buNone/>
-            </a:pPr>
-            <a:r>
-              <a:rPr lang="en-US" dirty="0"/>
-              <a:t>level : integer</a:t>
-            </a:r>
-          </a:p>
-          <a:p>
-            <a:pPr marL="0" indent="0">
-              <a:buNone/>
-            </a:pPr>
-            <a:r>
-              <a:rPr lang="en-US" dirty="0" err="1"/>
-              <a:t>no_petugas</a:t>
-            </a:r>
-            <a:r>
-              <a:rPr lang="en-US" dirty="0"/>
-              <a:t> : integer</a:t>
-            </a:r>
-          </a:p>
-          <a:p>
-            <a:pPr marL="0" indent="0">
-              <a:buNone/>
-            </a:pPr>
-            <a:r>
-              <a:rPr lang="en-US" dirty="0"/>
-              <a:t>4. </a:t>
-            </a:r>
-            <a:r>
-              <a:rPr lang="en-US" dirty="0" err="1"/>
-              <a:t>Peminjaman</a:t>
-            </a:r>
-            <a:endParaRPr lang="en-US" dirty="0"/>
-          </a:p>
-          <a:p>
-            <a:pPr marL="0" indent="0">
-              <a:buNone/>
-            </a:pPr>
-            <a:r>
-              <a:rPr lang="en-US" dirty="0" err="1"/>
-              <a:t>id_peminjaman</a:t>
-            </a:r>
-            <a:r>
-              <a:rPr lang="en-US" dirty="0"/>
-              <a:t> : integer (PK)</a:t>
-            </a:r>
-          </a:p>
-          <a:p>
-            <a:pPr marL="0" indent="0">
-              <a:buNone/>
-            </a:pPr>
-            <a:r>
-              <a:rPr lang="en-US" dirty="0" err="1"/>
-              <a:t>tgl_pinjam</a:t>
-            </a:r>
-            <a:r>
-              <a:rPr lang="en-US" dirty="0"/>
-              <a:t> : date</a:t>
-            </a:r>
-          </a:p>
-          <a:p>
-            <a:pPr marL="0" indent="0">
-              <a:buNone/>
-            </a:pPr>
-            <a:r>
-              <a:rPr lang="en-US" dirty="0" err="1"/>
-              <a:t>tgl_kembali</a:t>
-            </a:r>
-            <a:r>
-              <a:rPr lang="en-US" dirty="0"/>
-              <a:t> : date</a:t>
-            </a:r>
           </a:p>
         </p:txBody>
       </p:sp>
     </p:spTree>
     <p:extLst>
       <p:ext uri="{BB962C8B-B14F-4D97-AF65-F5344CB8AC3E}">
-        <p14:creationId xmlns:p14="http://schemas.microsoft.com/office/powerpoint/2010/main" val="965846074"/>
+        <p14:creationId xmlns:p14="http://schemas.microsoft.com/office/powerpoint/2010/main" val="1788237877"/>
       </p:ext>
     </p:extLst>
   </p:cSld>
@@ -5167,7 +5129,7 @@
           <p:cNvPr id="2" name="Title 1">
             <a:extLst>
               <a:ext uri="{FF2B5EF4-FFF2-40B4-BE49-F238E27FC236}">
-                <a16:creationId xmlns:a16="http://schemas.microsoft.com/office/drawing/2014/main" id="{D36CC65A-0BC2-40DA-9BBE-2D14A8C65DF6}"/>
+                <a16:creationId xmlns:a16="http://schemas.microsoft.com/office/drawing/2014/main" id="{A9A77D71-BDFF-4247-B211-817560B8D23F}"/>
               </a:ext>
             </a:extLst>
           </p:cNvPr>
@@ -5178,66 +5140,550 @@
             <p:ph type="title"/>
           </p:nvPr>
         </p:nvSpPr>
-        <p:spPr/>
+        <p:spPr>
+          <a:xfrm>
+            <a:off x="1066800" y="355183"/>
+            <a:ext cx="10058400" cy="1153577"/>
+          </a:xfrm>
+        </p:spPr>
         <p:txBody>
           <a:bodyPr/>
           <a:lstStyle/>
           <a:p>
             <a:r>
               <a:rPr lang="id-ID" dirty="0"/>
-              <a:t>Fitur fitur penting</a:t>
+              <a:t>ERD</a:t>
             </a:r>
             <a:endParaRPr lang="en-US" dirty="0"/>
           </a:p>
         </p:txBody>
       </p:sp>
-      <p:sp>
-        <p:nvSpPr>
-          <p:cNvPr id="3" name="Content Placeholder 2">
+      <p:pic>
+        <p:nvPicPr>
+          <p:cNvPr id="9" name="Content Placeholder 8">
             <a:extLst>
               <a:ext uri="{FF2B5EF4-FFF2-40B4-BE49-F238E27FC236}">
-                <a16:creationId xmlns:a16="http://schemas.microsoft.com/office/drawing/2014/main" id="{DF3CEFD1-583C-4BD7-9B2E-F7F4F066A88C}"/>
+                <a16:creationId xmlns:a16="http://schemas.microsoft.com/office/drawing/2014/main" id="{DD09C0CB-B990-4BE4-8800-BA758DB87C59}"/>
               </a:ext>
             </a:extLst>
           </p:cNvPr>
-          <p:cNvSpPr>
-            <a:spLocks noGrp="1"/>
-          </p:cNvSpPr>
+          <p:cNvPicPr>
+            <a:picLocks noGrp="1" noChangeAspect="1"/>
+          </p:cNvPicPr>
           <p:nvPr>
             <p:ph idx="1"/>
           </p:nvPr>
-        </p:nvSpPr>
-        <p:spPr/>
-        <p:txBody>
-          <a:bodyPr/>
-          <a:lstStyle/>
-          <a:p>
-            <a:r>
-              <a:rPr lang="id-ID" dirty="0"/>
-              <a:t>Crud </a:t>
-            </a:r>
-          </a:p>
-          <a:p>
-            <a:r>
-              <a:rPr lang="id-ID" dirty="0"/>
-              <a:t>Login</a:t>
-            </a:r>
-          </a:p>
-          <a:p>
-            <a:r>
-              <a:rPr lang="id-ID" dirty="0"/>
-              <a:t>Denda</a:t>
-            </a:r>
-          </a:p>
-          <a:p>
-            <a:endParaRPr lang="id-ID" dirty="0"/>
-          </a:p>
-        </p:txBody>
-      </p:sp>
+        </p:nvPicPr>
+        <p:blipFill>
+          <a:blip r:embed="rId2">
+            <a:extLst>
+              <a:ext uri="{28A0092B-C50C-407E-A947-70E740481C1C}">
+                <a14:useLocalDpi xmlns:a14="http://schemas.microsoft.com/office/drawing/2010/main" val="0"/>
+              </a:ext>
+            </a:extLst>
+          </a:blip>
+          <a:stretch>
+            <a:fillRect/>
+          </a:stretch>
+        </p:blipFill>
+        <p:spPr>
+          <a:xfrm>
+            <a:off x="1066798" y="1860118"/>
+            <a:ext cx="8934605" cy="4790064"/>
+          </a:xfrm>
+        </p:spPr>
+      </p:pic>
     </p:spTree>
     <p:extLst>
       <p:ext uri="{BB962C8B-B14F-4D97-AF65-F5344CB8AC3E}">
-        <p14:creationId xmlns:p14="http://schemas.microsoft.com/office/powerpoint/2010/main" val="661585482"/>
+        <p14:creationId xmlns:p14="http://schemas.microsoft.com/office/powerpoint/2010/main" val="1237312135"/>
+      </p:ext>
+    </p:extLst>
+  </p:cSld>
+  <p:clrMapOvr>
+    <a:masterClrMapping/>
+  </p:clrMapOvr>
+</p:sld>
+</file>
+
+<file path=ppt/slides/slide8.xml><?xml version="1.0" encoding="utf-8"?>
+<p:sld xmlns:a="http://schemas.openxmlformats.org/drawingml/2006/main" xmlns:r="http://schemas.openxmlformats.org/officeDocument/2006/relationships" xmlns:p="http://schemas.openxmlformats.org/presentationml/2006/main">
+  <p:cSld>
+    <p:spTree>
+      <p:nvGrpSpPr>
+        <p:cNvPr id="1" name=""/>
+        <p:cNvGrpSpPr/>
+        <p:nvPr/>
+      </p:nvGrpSpPr>
+      <p:grpSpPr>
+        <a:xfrm>
+          <a:off x="0" y="0"/>
+          <a:ext cx="0" cy="0"/>
+          <a:chOff x="0" y="0"/>
+          <a:chExt cx="0" cy="0"/>
+        </a:xfrm>
+      </p:grpSpPr>
+      <p:sp>
+        <p:nvSpPr>
+          <p:cNvPr id="2" name="Title 1">
+            <a:extLst>
+              <a:ext uri="{FF2B5EF4-FFF2-40B4-BE49-F238E27FC236}">
+                <a16:creationId xmlns:a16="http://schemas.microsoft.com/office/drawing/2014/main" id="{7DB715E9-0B96-4389-9F60-FAE3C8BFE1CC}"/>
+              </a:ext>
+            </a:extLst>
+          </p:cNvPr>
+          <p:cNvSpPr>
+            <a:spLocks noGrp="1"/>
+          </p:cNvSpPr>
+          <p:nvPr>
+            <p:ph type="title"/>
+          </p:nvPr>
+        </p:nvSpPr>
+        <p:spPr>
+          <a:xfrm>
+            <a:off x="1066800" y="171424"/>
+            <a:ext cx="10058400" cy="1450757"/>
+          </a:xfrm>
+        </p:spPr>
+        <p:txBody>
+          <a:bodyPr/>
+          <a:lstStyle/>
+          <a:p>
+            <a:r>
+              <a:rPr lang="id-ID" dirty="0"/>
+              <a:t>Design API</a:t>
+            </a:r>
+            <a:endParaRPr lang="en-US" dirty="0"/>
+          </a:p>
+        </p:txBody>
+      </p:sp>
+      <p:sp>
+        <p:nvSpPr>
+          <p:cNvPr id="7" name="Rectangle 6">
+            <a:extLst>
+              <a:ext uri="{FF2B5EF4-FFF2-40B4-BE49-F238E27FC236}">
+                <a16:creationId xmlns:a16="http://schemas.microsoft.com/office/drawing/2014/main" id="{B635BC4F-01F7-46BE-A928-CDCA5508BC20}"/>
+              </a:ext>
+            </a:extLst>
+          </p:cNvPr>
+          <p:cNvSpPr/>
+          <p:nvPr/>
+        </p:nvSpPr>
+        <p:spPr>
+          <a:xfrm>
+            <a:off x="731520" y="1856931"/>
+            <a:ext cx="2316480" cy="523220"/>
+          </a:xfrm>
+          <a:prstGeom prst="rect">
+            <a:avLst/>
+          </a:prstGeom>
+          <a:noFill/>
+        </p:spPr>
+        <p:txBody>
+          <a:bodyPr wrap="square" lIns="91440" tIns="45720" rIns="91440" bIns="45720">
+            <a:spAutoFit/>
+          </a:bodyPr>
+          <a:lstStyle/>
+          <a:p>
+            <a:pPr algn="ctr"/>
+            <a:r>
+              <a:rPr lang="id-ID" sz="2800" b="0" cap="none" spc="0" dirty="0">
+                <a:ln w="0"/>
+                <a:solidFill>
+                  <a:schemeClr val="tx1"/>
+                </a:solidFill>
+                <a:effectLst>
+                  <a:outerShdw blurRad="38100" dist="19050" dir="2700000" algn="tl" rotWithShape="0">
+                    <a:schemeClr val="dk1">
+                      <a:alpha val="40000"/>
+                    </a:schemeClr>
+                  </a:outerShdw>
+                </a:effectLst>
+              </a:rPr>
+              <a:t>Entity Anggota</a:t>
+            </a:r>
+            <a:endParaRPr lang="en-US" sz="2800" b="0" cap="none" spc="0" dirty="0">
+              <a:ln w="0"/>
+              <a:solidFill>
+                <a:schemeClr val="tx1"/>
+              </a:solidFill>
+              <a:effectLst>
+                <a:outerShdw blurRad="38100" dist="19050" dir="2700000" algn="tl" rotWithShape="0">
+                  <a:schemeClr val="dk1">
+                    <a:alpha val="40000"/>
+                  </a:schemeClr>
+                </a:outerShdw>
+              </a:effectLst>
+            </a:endParaRPr>
+          </a:p>
+        </p:txBody>
+      </p:sp>
+      <p:sp>
+        <p:nvSpPr>
+          <p:cNvPr id="8" name="Rectangle 7">
+            <a:extLst>
+              <a:ext uri="{FF2B5EF4-FFF2-40B4-BE49-F238E27FC236}">
+                <a16:creationId xmlns:a16="http://schemas.microsoft.com/office/drawing/2014/main" id="{6FF3E0F9-9783-43B0-A004-A0B3CCAC459C}"/>
+              </a:ext>
+            </a:extLst>
+          </p:cNvPr>
+          <p:cNvSpPr/>
+          <p:nvPr/>
+        </p:nvSpPr>
+        <p:spPr>
+          <a:xfrm>
+            <a:off x="6716682" y="1856931"/>
+            <a:ext cx="3106191" cy="523220"/>
+          </a:xfrm>
+          <a:prstGeom prst="rect">
+            <a:avLst/>
+          </a:prstGeom>
+          <a:noFill/>
+        </p:spPr>
+        <p:txBody>
+          <a:bodyPr wrap="square" lIns="91440" tIns="45720" rIns="91440" bIns="45720">
+            <a:spAutoFit/>
+          </a:bodyPr>
+          <a:lstStyle/>
+          <a:p>
+            <a:pPr algn="ctr"/>
+            <a:r>
+              <a:rPr lang="id-ID" sz="2800" b="0" cap="none" spc="0" dirty="0">
+                <a:ln w="0"/>
+                <a:solidFill>
+                  <a:schemeClr val="tx1"/>
+                </a:solidFill>
+                <a:effectLst>
+                  <a:outerShdw blurRad="38100" dist="19050" dir="2700000" algn="tl" rotWithShape="0">
+                    <a:schemeClr val="dk1">
+                      <a:alpha val="40000"/>
+                    </a:schemeClr>
+                  </a:outerShdw>
+                </a:effectLst>
+              </a:rPr>
+              <a:t>Entity peminjaman</a:t>
+            </a:r>
+            <a:endParaRPr lang="en-US" sz="2800" b="0" cap="none" spc="0" dirty="0">
+              <a:ln w="0"/>
+              <a:solidFill>
+                <a:schemeClr val="tx1"/>
+              </a:solidFill>
+              <a:effectLst>
+                <a:outerShdw blurRad="38100" dist="19050" dir="2700000" algn="tl" rotWithShape="0">
+                  <a:schemeClr val="dk1">
+                    <a:alpha val="40000"/>
+                  </a:schemeClr>
+                </a:outerShdw>
+              </a:effectLst>
+            </a:endParaRPr>
+          </a:p>
+        </p:txBody>
+      </p:sp>
+      <p:pic>
+        <p:nvPicPr>
+          <p:cNvPr id="12" name="Picture 11">
+            <a:extLst>
+              <a:ext uri="{FF2B5EF4-FFF2-40B4-BE49-F238E27FC236}">
+                <a16:creationId xmlns:a16="http://schemas.microsoft.com/office/drawing/2014/main" id="{C19C7506-3590-438F-A078-0FE41AC72A5A}"/>
+              </a:ext>
+            </a:extLst>
+          </p:cNvPr>
+          <p:cNvPicPr>
+            <a:picLocks noChangeAspect="1"/>
+          </p:cNvPicPr>
+          <p:nvPr/>
+        </p:nvPicPr>
+        <p:blipFill>
+          <a:blip r:embed="rId2"/>
+          <a:stretch>
+            <a:fillRect/>
+          </a:stretch>
+        </p:blipFill>
+        <p:spPr>
+          <a:xfrm>
+            <a:off x="731520" y="2310017"/>
+            <a:ext cx="4048297" cy="4376559"/>
+          </a:xfrm>
+          <a:prstGeom prst="rect">
+            <a:avLst/>
+          </a:prstGeom>
+        </p:spPr>
+      </p:pic>
+      <p:pic>
+        <p:nvPicPr>
+          <p:cNvPr id="14" name="Picture 13">
+            <a:extLst>
+              <a:ext uri="{FF2B5EF4-FFF2-40B4-BE49-F238E27FC236}">
+                <a16:creationId xmlns:a16="http://schemas.microsoft.com/office/drawing/2014/main" id="{5109285B-7CB1-47E0-9680-745FA0886E78}"/>
+              </a:ext>
+            </a:extLst>
+          </p:cNvPr>
+          <p:cNvPicPr>
+            <a:picLocks noChangeAspect="1"/>
+          </p:cNvPicPr>
+          <p:nvPr/>
+        </p:nvPicPr>
+        <p:blipFill>
+          <a:blip r:embed="rId3"/>
+          <a:stretch>
+            <a:fillRect/>
+          </a:stretch>
+        </p:blipFill>
+        <p:spPr>
+          <a:xfrm>
+            <a:off x="6716683" y="2380151"/>
+            <a:ext cx="4308764" cy="4252176"/>
+          </a:xfrm>
+          <a:prstGeom prst="rect">
+            <a:avLst/>
+          </a:prstGeom>
+        </p:spPr>
+      </p:pic>
+    </p:spTree>
+    <p:extLst>
+      <p:ext uri="{BB962C8B-B14F-4D97-AF65-F5344CB8AC3E}">
+        <p14:creationId xmlns:p14="http://schemas.microsoft.com/office/powerpoint/2010/main" val="3225201407"/>
+      </p:ext>
+    </p:extLst>
+  </p:cSld>
+  <p:clrMapOvr>
+    <a:masterClrMapping/>
+  </p:clrMapOvr>
+</p:sld>
+</file>
+
+<file path=ppt/slides/slide9.xml><?xml version="1.0" encoding="utf-8"?>
+<p:sld xmlns:a="http://schemas.openxmlformats.org/drawingml/2006/main" xmlns:r="http://schemas.openxmlformats.org/officeDocument/2006/relationships" xmlns:p="http://schemas.openxmlformats.org/presentationml/2006/main">
+  <p:cSld>
+    <p:spTree>
+      <p:nvGrpSpPr>
+        <p:cNvPr id="1" name=""/>
+        <p:cNvGrpSpPr/>
+        <p:nvPr/>
+      </p:nvGrpSpPr>
+      <p:grpSpPr>
+        <a:xfrm>
+          <a:off x="0" y="0"/>
+          <a:ext cx="0" cy="0"/>
+          <a:chOff x="0" y="0"/>
+          <a:chExt cx="0" cy="0"/>
+        </a:xfrm>
+      </p:grpSpPr>
+      <p:sp>
+        <p:nvSpPr>
+          <p:cNvPr id="2" name="Title 1">
+            <a:extLst>
+              <a:ext uri="{FF2B5EF4-FFF2-40B4-BE49-F238E27FC236}">
+                <a16:creationId xmlns:a16="http://schemas.microsoft.com/office/drawing/2014/main" id="{3B5FF8DF-5767-4C53-A5E7-5383A0952613}"/>
+              </a:ext>
+            </a:extLst>
+          </p:cNvPr>
+          <p:cNvSpPr>
+            <a:spLocks noGrp="1"/>
+          </p:cNvSpPr>
+          <p:nvPr>
+            <p:ph type="title"/>
+          </p:nvPr>
+        </p:nvSpPr>
+        <p:spPr/>
+        <p:txBody>
+          <a:bodyPr/>
+          <a:lstStyle/>
+          <a:p>
+            <a:r>
+              <a:rPr lang="id-ID" dirty="0"/>
+              <a:t>Design API</a:t>
+            </a:r>
+            <a:endParaRPr lang="en-US" dirty="0"/>
+          </a:p>
+        </p:txBody>
+      </p:sp>
+      <p:sp>
+        <p:nvSpPr>
+          <p:cNvPr id="5" name="Rectangle 4">
+            <a:extLst>
+              <a:ext uri="{FF2B5EF4-FFF2-40B4-BE49-F238E27FC236}">
+                <a16:creationId xmlns:a16="http://schemas.microsoft.com/office/drawing/2014/main" id="{B8EDB9CA-18D8-4606-9373-453E2E5C9C1F}"/>
+              </a:ext>
+            </a:extLst>
+          </p:cNvPr>
+          <p:cNvSpPr/>
+          <p:nvPr/>
+        </p:nvSpPr>
+        <p:spPr>
+          <a:xfrm>
+            <a:off x="731520" y="1856931"/>
+            <a:ext cx="2316480" cy="523220"/>
+          </a:xfrm>
+          <a:prstGeom prst="rect">
+            <a:avLst/>
+          </a:prstGeom>
+          <a:noFill/>
+        </p:spPr>
+        <p:txBody>
+          <a:bodyPr wrap="square" lIns="91440" tIns="45720" rIns="91440" bIns="45720">
+            <a:spAutoFit/>
+          </a:bodyPr>
+          <a:lstStyle/>
+          <a:p>
+            <a:pPr algn="ctr"/>
+            <a:r>
+              <a:rPr lang="id-ID" sz="2800" b="0" cap="none" spc="0" dirty="0">
+                <a:ln w="0"/>
+                <a:solidFill>
+                  <a:schemeClr val="tx1"/>
+                </a:solidFill>
+                <a:effectLst>
+                  <a:outerShdw blurRad="38100" dist="19050" dir="2700000" algn="tl" rotWithShape="0">
+                    <a:schemeClr val="dk1">
+                      <a:alpha val="40000"/>
+                    </a:schemeClr>
+                  </a:outerShdw>
+                </a:effectLst>
+              </a:rPr>
+              <a:t>Entity Denda</a:t>
+            </a:r>
+            <a:endParaRPr lang="en-US" sz="2800" b="0" cap="none" spc="0" dirty="0">
+              <a:ln w="0"/>
+              <a:solidFill>
+                <a:schemeClr val="tx1"/>
+              </a:solidFill>
+              <a:effectLst>
+                <a:outerShdw blurRad="38100" dist="19050" dir="2700000" algn="tl" rotWithShape="0">
+                  <a:schemeClr val="dk1">
+                    <a:alpha val="40000"/>
+                  </a:schemeClr>
+                </a:outerShdw>
+              </a:effectLst>
+            </a:endParaRPr>
+          </a:p>
+        </p:txBody>
+      </p:sp>
+      <p:pic>
+        <p:nvPicPr>
+          <p:cNvPr id="9" name="Picture 8">
+            <a:extLst>
+              <a:ext uri="{FF2B5EF4-FFF2-40B4-BE49-F238E27FC236}">
+                <a16:creationId xmlns:a16="http://schemas.microsoft.com/office/drawing/2014/main" id="{50F70C4C-1A2F-4C55-9B32-B4EC2FD745F4}"/>
+              </a:ext>
+            </a:extLst>
+          </p:cNvPr>
+          <p:cNvPicPr>
+            <a:picLocks noChangeAspect="1"/>
+          </p:cNvPicPr>
+          <p:nvPr/>
+        </p:nvPicPr>
+        <p:blipFill>
+          <a:blip r:embed="rId2"/>
+          <a:stretch>
+            <a:fillRect/>
+          </a:stretch>
+        </p:blipFill>
+        <p:spPr>
+          <a:xfrm>
+            <a:off x="676275" y="2380151"/>
+            <a:ext cx="3992707" cy="4217197"/>
+          </a:xfrm>
+          <a:prstGeom prst="rect">
+            <a:avLst/>
+          </a:prstGeom>
+        </p:spPr>
+      </p:pic>
+      <p:pic>
+        <p:nvPicPr>
+          <p:cNvPr id="11" name="Picture 10">
+            <a:extLst>
+              <a:ext uri="{FF2B5EF4-FFF2-40B4-BE49-F238E27FC236}">
+                <a16:creationId xmlns:a16="http://schemas.microsoft.com/office/drawing/2014/main" id="{F9173379-A3B0-492D-B5A6-0CA82C9113EC}"/>
+              </a:ext>
+            </a:extLst>
+          </p:cNvPr>
+          <p:cNvPicPr>
+            <a:picLocks noChangeAspect="1"/>
+          </p:cNvPicPr>
+          <p:nvPr/>
+        </p:nvPicPr>
+        <p:blipFill>
+          <a:blip r:embed="rId3"/>
+          <a:stretch>
+            <a:fillRect/>
+          </a:stretch>
+        </p:blipFill>
+        <p:spPr>
+          <a:xfrm>
+            <a:off x="5944898" y="2320365"/>
+            <a:ext cx="4487575" cy="4318064"/>
+          </a:xfrm>
+          <a:prstGeom prst="rect">
+            <a:avLst/>
+          </a:prstGeom>
+        </p:spPr>
+      </p:pic>
+      <p:sp>
+        <p:nvSpPr>
+          <p:cNvPr id="12" name="Rectangle 11">
+            <a:extLst>
+              <a:ext uri="{FF2B5EF4-FFF2-40B4-BE49-F238E27FC236}">
+                <a16:creationId xmlns:a16="http://schemas.microsoft.com/office/drawing/2014/main" id="{EEFD3C91-B70C-483B-B807-120DC3484362}"/>
+              </a:ext>
+            </a:extLst>
+          </p:cNvPr>
+          <p:cNvSpPr/>
+          <p:nvPr/>
+        </p:nvSpPr>
+        <p:spPr>
+          <a:xfrm>
+            <a:off x="5788429" y="1797145"/>
+            <a:ext cx="2316480" cy="523220"/>
+          </a:xfrm>
+          <a:prstGeom prst="rect">
+            <a:avLst/>
+          </a:prstGeom>
+          <a:noFill/>
+        </p:spPr>
+        <p:txBody>
+          <a:bodyPr wrap="square" lIns="91440" tIns="45720" rIns="91440" bIns="45720">
+            <a:spAutoFit/>
+          </a:bodyPr>
+          <a:lstStyle/>
+          <a:p>
+            <a:pPr algn="ctr"/>
+            <a:r>
+              <a:rPr lang="id-ID" sz="2800" b="0" cap="none" spc="0" dirty="0">
+                <a:ln w="0"/>
+                <a:solidFill>
+                  <a:schemeClr val="tx1"/>
+                </a:solidFill>
+                <a:effectLst>
+                  <a:outerShdw blurRad="38100" dist="19050" dir="2700000" algn="tl" rotWithShape="0">
+                    <a:schemeClr val="dk1">
+                      <a:alpha val="40000"/>
+                    </a:schemeClr>
+                  </a:outerShdw>
+                </a:effectLst>
+              </a:rPr>
+              <a:t>Entity petugas</a:t>
+            </a:r>
+            <a:endParaRPr lang="en-US" sz="2800" b="0" cap="none" spc="0" dirty="0">
+              <a:ln w="0"/>
+              <a:solidFill>
+                <a:schemeClr val="tx1"/>
+              </a:solidFill>
+              <a:effectLst>
+                <a:outerShdw blurRad="38100" dist="19050" dir="2700000" algn="tl" rotWithShape="0">
+                  <a:schemeClr val="dk1">
+                    <a:alpha val="40000"/>
+                  </a:schemeClr>
+                </a:outerShdw>
+              </a:effectLst>
+            </a:endParaRPr>
+          </a:p>
+        </p:txBody>
+      </p:sp>
+    </p:spTree>
+    <p:extLst>
+      <p:ext uri="{BB962C8B-B14F-4D97-AF65-F5344CB8AC3E}">
+        <p14:creationId xmlns:p14="http://schemas.microsoft.com/office/powerpoint/2010/main" val="1580348803"/>
       </p:ext>
     </p:extLst>
   </p:cSld>
